--- a/Day4/day4.pptx
+++ b/Day4/day4.pptx
@@ -3273,13 +3273,13 @@
         </p:nvSpPr>
         <p:spPr>
           <a:xfrm>
-            <a:off x="305346" y="1242516"/>
-            <a:ext cx="4084601" cy="5384238"/>
+            <a:off x="193269" y="1242516"/>
+            <a:ext cx="4624631" cy="5384238"/>
           </a:xfrm>
         </p:spPr>
         <p:txBody>
           <a:bodyPr>
-            <a:normAutofit fontScale="70000" lnSpcReduction="20000"/>
+            <a:normAutofit fontScale="77500" lnSpcReduction="20000"/>
           </a:bodyPr>
           <a:lstStyle/>
           <a:p>
@@ -3589,7 +3589,15 @@
                   <a:srgbClr val="558ED5"/>
                 </a:solidFill>
               </a:rPr>
-              <a:t>		print</a:t>
+              <a:t>	</a:t>
+            </a:r>
+            <a:r>
+              <a:rPr lang="en-US" dirty="0" smtClean="0">
+                <a:solidFill>
+                  <a:srgbClr val="558ED5"/>
+                </a:solidFill>
+              </a:rPr>
+              <a:t>	print</a:t>
             </a:r>
             <a:r>
               <a:rPr lang="en-US" dirty="0">
@@ -3631,25 +3639,9 @@
                   <a:srgbClr val="558ED5"/>
                 </a:solidFill>
               </a:rPr>
-              <a:t>: </a:t>
-            </a:r>
-            <a:r>
-              <a:rPr lang="en-US" dirty="0" err="1">
-                <a:solidFill>
-                  <a:srgbClr val="558ED5"/>
-                </a:solidFill>
-              </a:rPr>
-              <a:t>self.hunger</a:t>
-            </a:r>
-            <a:r>
-              <a:rPr lang="en-US" dirty="0">
-                <a:solidFill>
-                  <a:srgbClr val="558ED5"/>
-                </a:solidFill>
-              </a:rPr>
-              <a:t> = 0 </a:t>
-            </a:r>
-            <a:endParaRPr lang="en-US" dirty="0" smtClean="0">
+              <a:t>: 	</a:t>
+            </a:r>
+            <a:endParaRPr lang="en-US" dirty="0">
               <a:solidFill>
                 <a:srgbClr val="558ED5"/>
               </a:solidFill>
@@ -3660,7 +3652,7 @@
               <a:buNone/>
             </a:pPr>
             <a:r>
-              <a:rPr lang="en-US" dirty="0">
+              <a:rPr lang="en-US" dirty="0" smtClean="0">
                 <a:solidFill>
                   <a:srgbClr val="558ED5"/>
                 </a:solidFill>
@@ -3873,7 +3865,7 @@
         </p:nvSpPr>
         <p:spPr>
           <a:xfrm>
-            <a:off x="4823076" y="1242516"/>
+            <a:off x="4961124" y="1242516"/>
             <a:ext cx="3863724" cy="5384238"/>
           </a:xfrm>
           <a:prstGeom prst="rect">
@@ -4059,7 +4051,6 @@
               <a:rPr lang="en-US" u="sng" dirty="0" smtClean="0"/>
               <a:t>_____</a:t>
             </a:r>
-            <a:endParaRPr lang="en-US" u="sng" dirty="0" smtClean="0"/>
           </a:p>
           <a:p>
             <a:pPr marL="0" indent="0">
@@ -4086,7 +4077,6 @@
               <a:rPr lang="en-US" u="sng" dirty="0" smtClean="0"/>
               <a:t>_____</a:t>
             </a:r>
-            <a:endParaRPr lang="en-US" u="sng" dirty="0" smtClean="0"/>
           </a:p>
           <a:p>
             <a:pPr marL="0" indent="0">
